--- a/ppt/huawei2030.pptx
+++ b/ppt/huawei2030.pptx
@@ -4843,7 +4843,7 @@
         </p:nvGrpSpPr>
         <p:grpSpPr>
           <a:xfrm>
-            <a:off x="7778750" y="1841500"/>
+            <a:off x="7778115" y="1841500"/>
             <a:ext cx="3907790" cy="3716020"/>
             <a:chOff x="10501" y="2774"/>
             <a:chExt cx="7903" cy="5852"/>
@@ -4858,7 +4858,7 @@
           <p:spPr>
             <a:xfrm>
               <a:off x="10501" y="2774"/>
-              <a:ext cx="6509" cy="580"/>
+              <a:ext cx="7902" cy="1016"/>
             </a:xfrm>
             <a:prstGeom prst="rect">
               <a:avLst/>
@@ -4872,7 +4872,7 @@
             <a:p>
               <a:r>
                 <a:rPr lang="zh-CN" altLang="en-US"/>
-                <a:t>基于区块链的智能合约</a:t>
+                <a:t>基于区块链的智能合约（将合约条款写入区块链中）</a:t>
               </a:r>
               <a:endParaRPr lang="zh-CN" altLang="en-US"/>
             </a:p>
@@ -7134,9 +7134,9 @@
         <p:grpSpPr>
           <a:xfrm>
             <a:off x="6612255" y="2055495"/>
-            <a:ext cx="5776595" cy="2747645"/>
+            <a:ext cx="5777230" cy="2747645"/>
             <a:chOff x="9814" y="3290"/>
-            <a:chExt cx="9097" cy="4327"/>
+            <a:chExt cx="9098" cy="4327"/>
           </a:xfrm>
         </p:grpSpPr>
         <p:sp>
@@ -7148,7 +7148,7 @@
           <p:spPr>
             <a:xfrm>
               <a:off x="9814" y="3290"/>
-              <a:ext cx="7980" cy="580"/>
+              <a:ext cx="7980" cy="1016"/>
             </a:xfrm>
             <a:prstGeom prst="rect">
               <a:avLst/>
@@ -7162,7 +7162,7 @@
             <a:p>
               <a:r>
                 <a:rPr lang="zh-CN" altLang="en-US"/>
-                <a:t>未来场景：精准农耕，构建农情多元数据图谱</a:t>
+                <a:t>精准农耕，构建农情多元数据图谱（土地水分、营养）</a:t>
               </a:r>
               <a:endParaRPr lang="zh-CN" altLang="en-US"/>
             </a:p>
@@ -7191,7 +7191,7 @@
             <a:p>
               <a:r>
                 <a:rPr lang="zh-CN" altLang="en-US"/>
-                <a:t>未来场景：智能垂直农场，打造未来农业新形态</a:t>
+                <a:t>智能垂直农场，打造未来农业新形态（室内种植）</a:t>
               </a:r>
               <a:endParaRPr lang="zh-CN" altLang="en-US"/>
             </a:p>
@@ -7220,7 +7220,7 @@
             <a:p>
               <a:r>
                 <a:rPr lang="zh-CN" altLang="en-US"/>
-                <a:t>未来场景：3D人造肉—追求健康安全</a:t>
+                <a:t>3D人造肉—追求健康安全</a:t>
               </a:r>
               <a:endParaRPr lang="zh-CN" altLang="en-US"/>
             </a:p>
@@ -7441,7 +7441,7 @@
           <p:spPr>
             <a:xfrm>
               <a:off x="11151" y="5110"/>
-              <a:ext cx="7252" cy="580"/>
+              <a:ext cx="7252" cy="1016"/>
             </a:xfrm>
             <a:prstGeom prst="rect">
               <a:avLst/>
@@ -7455,9 +7455,9 @@
             <a:p>
               <a:r>
                 <a:rPr lang="zh-CN" altLang="en-US"/>
-                <a:t>博物馆自动管理控制系统</a:t>
+                <a:t>博物馆自动管理控制系统（自动调节适宜展品陈列和参观者观展时的温光水气条件）</a:t>
               </a:r>
-              <a:endParaRPr lang="zh-CN" altLang="en-US"/>
+              <a:endParaRPr lang="en-US" altLang="zh-CN"/>
             </a:p>
           </p:txBody>
         </p:sp>
@@ -8074,7 +8074,7 @@
             <a:p>
               <a:r>
                 <a:rPr lang="zh-CN" altLang="en-US"/>
-                <a:t>纳米传感，精准感知城市脉搏</a:t>
+                <a:t>纳米传感，精准感知城市脉搏（石墨烯）</a:t>
               </a:r>
               <a:endParaRPr lang="zh-CN" altLang="en-US"/>
             </a:p>
@@ -8103,7 +8103,7 @@
             <a:p>
               <a:r>
                 <a:rPr lang="zh-CN" altLang="en-US"/>
-                <a:t>全光城市，开启万兆互联时代</a:t>
+                <a:t>全光城市，开启万兆互联时代（光纤）</a:t>
               </a:r>
               <a:endParaRPr lang="zh-CN" altLang="en-US"/>
             </a:p>
@@ -8263,7 +8263,7 @@
           <p:spPr>
             <a:xfrm>
               <a:off x="9451" y="8627"/>
-              <a:ext cx="9055" cy="580"/>
+              <a:ext cx="6952" cy="1016"/>
             </a:xfrm>
             <a:prstGeom prst="rect">
               <a:avLst/>
@@ -8277,7 +8277,7 @@
             <a:p>
               <a:r>
                 <a:rPr lang="zh-CN" altLang="en-US"/>
-                <a:t>光谱检测，用光的技术让“生命之源“更清澈</a:t>
+                <a:t>光谱检测，用光的技术让“生命之源“更清澈（基于天气，工业优化取水）</a:t>
               </a:r>
               <a:endParaRPr lang="zh-CN" altLang="en-US"/>
             </a:p>
@@ -8473,10 +8473,10 @@
         </p:nvGrpSpPr>
         <p:grpSpPr>
           <a:xfrm>
-            <a:off x="7666990" y="1951990"/>
-            <a:ext cx="5404485" cy="3345180"/>
+            <a:off x="7009130" y="1893570"/>
+            <a:ext cx="4494604" cy="3345180"/>
             <a:chOff x="10592" y="2748"/>
-            <a:chExt cx="9961" cy="5268"/>
+            <a:chExt cx="8284" cy="5268"/>
           </a:xfrm>
         </p:grpSpPr>
         <p:sp>
@@ -8488,7 +8488,7 @@
           <p:spPr>
             <a:xfrm>
               <a:off x="10592" y="2748"/>
-              <a:ext cx="6096" cy="580"/>
+              <a:ext cx="8284" cy="580"/>
             </a:xfrm>
             <a:prstGeom prst="rect">
               <a:avLst/>
@@ -8502,7 +8502,17 @@
             <a:p>
               <a:r>
                 <a:rPr lang="zh-CN" altLang="en-US"/>
-                <a:t>（动手）协作机器人</a:t>
+                <a:t>（动手）协作机器人（</a:t>
+              </a:r>
+              <a:r>
+                <a:rPr lang="zh-CN" altLang="en-US">
+                  <a:sym typeface="+mn-ea"/>
+                </a:rPr>
+                <a:t>虚拟数字围栏</a:t>
+              </a:r>
+              <a:r>
+                <a:rPr lang="zh-CN" altLang="en-US"/>
+                <a:t>）</a:t>
               </a:r>
               <a:endParaRPr lang="zh-CN" altLang="en-US"/>
             </a:p>
@@ -8517,7 +8527,7 @@
           <p:spPr>
             <a:xfrm>
               <a:off x="10592" y="3715"/>
-              <a:ext cx="9888" cy="580"/>
+              <a:ext cx="5732" cy="580"/>
             </a:xfrm>
             <a:prstGeom prst="rect">
               <a:avLst/>
@@ -8546,7 +8556,7 @@
           <p:spPr>
             <a:xfrm>
               <a:off x="10592" y="4601"/>
-              <a:ext cx="8076" cy="580"/>
+              <a:ext cx="5734" cy="580"/>
             </a:xfrm>
             <a:prstGeom prst="rect">
               <a:avLst/>
@@ -8575,7 +8585,7 @@
           <p:spPr>
             <a:xfrm>
               <a:off x="10593" y="5487"/>
-              <a:ext cx="7368" cy="580"/>
+              <a:ext cx="8283" cy="580"/>
             </a:xfrm>
             <a:prstGeom prst="rect">
               <a:avLst/>
@@ -8589,7 +8599,7 @@
             <a:p>
               <a:r>
                 <a:rPr lang="zh-CN" altLang="en-US"/>
-                <a:t>ICT使能柔性生产</a:t>
+                <a:t>ICT使能柔性生产（生产全过程进行模拟）</a:t>
               </a:r>
               <a:endParaRPr lang="zh-CN" altLang="en-US"/>
             </a:p>
@@ -8604,7 +8614,7 @@
           <p:spPr>
             <a:xfrm>
               <a:off x="10593" y="6461"/>
-              <a:ext cx="9960" cy="580"/>
+              <a:ext cx="8043" cy="1016"/>
             </a:xfrm>
             <a:prstGeom prst="rect">
               <a:avLst/>
@@ -8618,7 +8628,7 @@
             <a:p>
               <a:r>
                 <a:rPr lang="zh-CN" altLang="en-US"/>
-                <a:t>数字化技术让供应链可视化</a:t>
+                <a:t>数字化技术让供应链可视化（对接物流系统中的各种状态）</a:t>
               </a:r>
               <a:endParaRPr lang="zh-CN" altLang="en-US"/>
             </a:p>
@@ -8633,7 +8643,7 @@
           <p:spPr>
             <a:xfrm>
               <a:off x="10593" y="7436"/>
-              <a:ext cx="9158" cy="580"/>
+              <a:ext cx="6221" cy="580"/>
             </a:xfrm>
             <a:prstGeom prst="rect">
               <a:avLst/>
@@ -8814,10 +8824,10 @@
         </p:nvGrpSpPr>
         <p:grpSpPr>
           <a:xfrm>
-            <a:off x="7160895" y="2165350"/>
-            <a:ext cx="6654165" cy="3063875"/>
+            <a:off x="6970395" y="2150745"/>
+            <a:ext cx="4672965" cy="3340735"/>
             <a:chOff x="9550" y="2282"/>
-            <a:chExt cx="10479" cy="4825"/>
+            <a:chExt cx="7359" cy="5261"/>
           </a:xfrm>
         </p:grpSpPr>
         <p:sp>
@@ -8829,7 +8839,7 @@
           <p:spPr>
             <a:xfrm>
               <a:off x="9550" y="2282"/>
-              <a:ext cx="8170" cy="580"/>
+              <a:ext cx="6951" cy="580"/>
             </a:xfrm>
             <a:prstGeom prst="rect">
               <a:avLst/>
@@ -8858,7 +8868,7 @@
           <p:spPr>
             <a:xfrm>
               <a:off x="9550" y="3421"/>
-              <a:ext cx="8561" cy="580"/>
+              <a:ext cx="6420" cy="1016"/>
             </a:xfrm>
             <a:prstGeom prst="rect">
               <a:avLst/>
@@ -8872,7 +8882,7 @@
             <a:p>
               <a:r>
                 <a:rPr lang="zh-CN" altLang="en-US"/>
-                <a:t>漂浮光伏（FPV），光伏产业新趋势</a:t>
+                <a:t>漂浮光伏（FPV），光伏产业新趋势（水上太阳能板）</a:t>
               </a:r>
               <a:endParaRPr lang="zh-CN" altLang="en-US"/>
             </a:p>
@@ -8887,7 +8897,7 @@
           <p:spPr>
             <a:xfrm>
               <a:off x="9550" y="4543"/>
-              <a:ext cx="7359" cy="580"/>
+              <a:ext cx="7359" cy="1016"/>
             </a:xfrm>
             <a:prstGeom prst="rect">
               <a:avLst/>
@@ -8901,7 +8911,7 @@
             <a:p>
               <a:r>
                 <a:rPr lang="zh-CN" altLang="en-US"/>
-                <a:t>虚拟电厂，电力价值链新范式</a:t>
+                <a:t>虚拟电厂，电力价值链新范式（自动调度和优化分布式能源资源）</a:t>
               </a:r>
               <a:endParaRPr lang="zh-CN" altLang="en-US"/>
             </a:p>
@@ -8916,7 +8926,7 @@
           <p:spPr>
             <a:xfrm>
               <a:off x="9550" y="5535"/>
-              <a:ext cx="9130" cy="580"/>
+              <a:ext cx="7220" cy="1016"/>
             </a:xfrm>
             <a:prstGeom prst="rect">
               <a:avLst/>
@@ -8930,7 +8940,7 @@
             <a:p>
               <a:r>
                 <a:rPr lang="zh-CN" altLang="en-US"/>
-                <a:t>能源云，能源互联网的操作系统</a:t>
+                <a:t>能源云，能源互联网的操作系统（电、气、冷、热自动分配）</a:t>
               </a:r>
               <a:endParaRPr lang="zh-CN" altLang="en-US"/>
             </a:p>
@@ -8945,7 +8955,7 @@
           <p:spPr>
             <a:xfrm>
               <a:off x="9550" y="6527"/>
-              <a:ext cx="10479" cy="580"/>
+              <a:ext cx="7221" cy="1016"/>
             </a:xfrm>
             <a:prstGeom prst="rect">
               <a:avLst/>
@@ -8982,7 +8992,7 @@
         </p:blipFill>
         <p:spPr>
           <a:xfrm>
-            <a:off x="796290" y="1542415"/>
+            <a:off x="605790" y="1542415"/>
             <a:ext cx="6057265" cy="4095115"/>
           </a:xfrm>
           <a:prstGeom prst="rect">
